--- a/Presentation/Pre1.2 MAD Process.pptx
+++ b/Presentation/Pre1.2 MAD Process.pptx
@@ -376,7 +376,7 @@
           <a:p>
             <a:fld id="{16EFA3C3-E8D6-4416-88B4-678BA54D754C}" type="datetimeFigureOut">
               <a:rPr lang="zh-CN" altLang="en-US" smtClean="0"/>
-              <a:t>2020/9/14</a:t>
+              <a:t>2020/9/16</a:t>
             </a:fld>
             <a:endParaRPr lang="zh-CN" altLang="en-US"/>
           </a:p>
@@ -541,7 +541,7 @@
           <a:p>
             <a:fld id="{8ECC2C2C-A586-9740-B231-E9D27B5EB144}" type="datetimeFigureOut">
               <a:rPr lang="en-US" smtClean="0"/>
-              <a:t>9/14/20</a:t>
+              <a:t>9/16/20</a:t>
             </a:fld>
             <a:endParaRPr lang="en-US"/>
           </a:p>
@@ -2168,7 +2168,7 @@
             <a:fld id="{B61BEF0D-F0BB-DE4B-95CE-6DB70DBA9567}" type="datetimeFigureOut">
               <a:rPr lang="en-US" smtClean="0"/>
               <a:pPr/>
-              <a:t>9/14/20</a:t>
+              <a:t>9/16/20</a:t>
             </a:fld>
             <a:endParaRPr lang="en-US" dirty="0"/>
           </a:p>
@@ -2422,7 +2422,7 @@
             <a:fld id="{B61BEF0D-F0BB-DE4B-95CE-6DB70DBA9567}" type="datetimeFigureOut">
               <a:rPr lang="en-US" smtClean="0"/>
               <a:pPr/>
-              <a:t>9/14/20</a:t>
+              <a:t>9/16/20</a:t>
             </a:fld>
             <a:endParaRPr lang="en-US" dirty="0"/>
           </a:p>
@@ -2764,7 +2764,7 @@
             <a:fld id="{B61BEF0D-F0BB-DE4B-95CE-6DB70DBA9567}" type="datetimeFigureOut">
               <a:rPr lang="en-US" smtClean="0"/>
               <a:pPr/>
-              <a:t>9/14/20</a:t>
+              <a:t>9/16/20</a:t>
             </a:fld>
             <a:endParaRPr lang="en-US" dirty="0"/>
           </a:p>
@@ -3198,7 +3198,7 @@
             <a:fld id="{B61BEF0D-F0BB-DE4B-95CE-6DB70DBA9567}" type="datetimeFigureOut">
               <a:rPr lang="en-US" smtClean="0"/>
               <a:pPr/>
-              <a:t>9/14/20</a:t>
+              <a:t>9/16/20</a:t>
             </a:fld>
             <a:endParaRPr lang="en-US" dirty="0"/>
           </a:p>
@@ -3754,7 +3754,7 @@
             <a:fld id="{B61BEF0D-F0BB-DE4B-95CE-6DB70DBA9567}" type="datetimeFigureOut">
               <a:rPr lang="en-US" smtClean="0"/>
               <a:pPr/>
-              <a:t>9/14/20</a:t>
+              <a:t>9/16/20</a:t>
             </a:fld>
             <a:endParaRPr lang="en-US" dirty="0"/>
           </a:p>
@@ -4010,7 +4010,7 @@
             <a:fld id="{B61BEF0D-F0BB-DE4B-95CE-6DB70DBA9567}" type="datetimeFigureOut">
               <a:rPr lang="en-US" smtClean="0"/>
               <a:pPr/>
-              <a:t>9/14/20</a:t>
+              <a:t>9/16/20</a:t>
             </a:fld>
             <a:endParaRPr lang="en-US" dirty="0"/>
           </a:p>
@@ -4382,7 +4382,7 @@
             <a:fld id="{B61BEF0D-F0BB-DE4B-95CE-6DB70DBA9567}" type="datetimeFigureOut">
               <a:rPr lang="en-US" smtClean="0"/>
               <a:pPr/>
-              <a:t>9/14/20</a:t>
+              <a:t>9/16/20</a:t>
             </a:fld>
             <a:endParaRPr lang="en-US" dirty="0"/>
           </a:p>
@@ -4774,7 +4774,7 @@
             <a:fld id="{D728701E-CAF4-4159-9B3E-41C86DFFA30D}" type="datetimeFigureOut">
               <a:rPr lang="en-US" smtClean="0"/>
               <a:pPr/>
-              <a:t>9/14/20</a:t>
+              <a:t>9/16/20</a:t>
             </a:fld>
             <a:endParaRPr lang="en-US" dirty="0"/>
           </a:p>
@@ -5028,7 +5028,7 @@
             <a:fld id="{D728701E-CAF4-4159-9B3E-41C86DFFA30D}" type="datetimeFigureOut">
               <a:rPr lang="en-US" smtClean="0"/>
               <a:pPr/>
-              <a:t>9/14/20</a:t>
+              <a:t>9/16/20</a:t>
             </a:fld>
             <a:endParaRPr lang="en-US" dirty="0"/>
           </a:p>
@@ -5370,7 +5370,7 @@
             <a:fld id="{D728701E-CAF4-4159-9B3E-41C86DFFA30D}" type="datetimeFigureOut">
               <a:rPr lang="en-US" smtClean="0"/>
               <a:pPr/>
-              <a:t>9/14/20</a:t>
+              <a:t>9/16/20</a:t>
             </a:fld>
             <a:endParaRPr lang="en-US" dirty="0"/>
           </a:p>
@@ -5804,7 +5804,7 @@
             <a:fld id="{D728701E-CAF4-4159-9B3E-41C86DFFA30D}" type="datetimeFigureOut">
               <a:rPr lang="en-US" smtClean="0"/>
               <a:pPr/>
-              <a:t>9/14/20</a:t>
+              <a:t>9/16/20</a:t>
             </a:fld>
             <a:endParaRPr lang="en-US" dirty="0"/>
           </a:p>
@@ -6361,7 +6361,7 @@
             <a:fld id="{D728701E-CAF4-4159-9B3E-41C86DFFA30D}" type="datetimeFigureOut">
               <a:rPr lang="en-US" smtClean="0"/>
               <a:pPr algn="l"/>
-              <a:t>9/14/20</a:t>
+              <a:t>9/16/20</a:t>
             </a:fld>
             <a:endParaRPr lang="en-US"/>
           </a:p>
@@ -6618,7 +6618,7 @@
             <a:fld id="{D728701E-CAF4-4159-9B3E-41C86DFFA30D}" type="datetimeFigureOut">
               <a:rPr lang="en-US" smtClean="0"/>
               <a:pPr/>
-              <a:t>9/14/20</a:t>
+              <a:t>9/16/20</a:t>
             </a:fld>
             <a:endParaRPr lang="en-US" dirty="0"/>
           </a:p>
@@ -7173,7 +7173,7 @@
             <a:fld id="{D728701E-CAF4-4159-9B3E-41C86DFFA30D}" type="datetimeFigureOut">
               <a:rPr lang="en-US" smtClean="0"/>
               <a:pPr/>
-              <a:t>9/14/20</a:t>
+              <a:t>9/16/20</a:t>
             </a:fld>
             <a:endParaRPr lang="en-US"/>
           </a:p>
@@ -7847,7 +7847,7 @@
             <a:fld id="{B61BEF0D-F0BB-DE4B-95CE-6DB70DBA9567}" type="datetimeFigureOut">
               <a:rPr lang="en-US" smtClean="0"/>
               <a:pPr/>
-              <a:t>9/14/20</a:t>
+              <a:t>9/16/20</a:t>
             </a:fld>
             <a:endParaRPr lang="en-US" dirty="0"/>
           </a:p>
@@ -18128,7 +18128,7 @@
               <a:rPr lang="en-US" altLang="zh-CN" dirty="0">
                 <a:hlinkClick r:id="rId2"/>
               </a:rPr>
-              <a:t>Hockey App</a:t>
+              <a:t>App Center</a:t>
             </a:r>
             <a:r>
               <a:rPr lang="en-US" altLang="zh-CN" dirty="0"/>
@@ -18139,14 +18139,21 @@
             <a:pPr lvl="1"/>
             <a:r>
               <a:rPr lang="en-US" altLang="zh-CN" dirty="0"/>
-              <a:t>It allows us to privately and securely distribute the in-development version of the app to testers, clients, and other developers. </a:t>
+              <a:t>Continuously build, test, release, and monitor apps for every platform. </a:t>
             </a:r>
           </a:p>
           <a:p>
             <a:pPr lvl="1"/>
             <a:r>
               <a:rPr lang="en-US" altLang="zh-CN" dirty="0"/>
-              <a:t>Hockey automatically notifies users of new builds (so everyone is testing the latest &amp; greatest), provides crash reporting, and can ensure only approved testers have access to your app.</a:t>
+              <a:t>Connect to GitHub, Bitbucket, GitLab, or Azure DevOps and build your app in the cloud on every commit.</a:t>
+            </a:r>
+          </a:p>
+          <a:p>
+            <a:pPr lvl="1"/>
+            <a:r>
+              <a:rPr lang="en-US" altLang="zh-CN" dirty="0"/>
+              <a:t>Automatically run unit tests, release to testers and stores, or test your UI on real devices..</a:t>
             </a:r>
           </a:p>
           <a:p>
@@ -22694,13 +22701,13 @@
             </a:r>
             <a:r>
               <a:rPr lang="en-US" altLang="zh-CN" dirty="0"/>
-              <a:t> and </a:t>
+              <a:t> and  </a:t>
             </a:r>
             <a:r>
               <a:rPr lang="en-US" altLang="zh-CN" dirty="0">
                 <a:hlinkClick r:id="rId3"/>
               </a:rPr>
-              <a:t>HockeyApp</a:t>
+              <a:t>App Center</a:t>
             </a:r>
             <a:endParaRPr lang="zh-CN" altLang="en-US" dirty="0"/>
           </a:p>
@@ -22825,16 +22832,6 @@
                 <a:hlinkClick r:id="rId4"/>
               </a:rPr>
               <a:t>Google Analytics</a:t>
-            </a:r>
-            <a:r>
-              <a:rPr lang="en-US" altLang="zh-CN" dirty="0"/>
-              <a:t>, and </a:t>
-            </a:r>
-            <a:r>
-              <a:rPr lang="en-US" altLang="zh-CN" dirty="0">
-                <a:hlinkClick r:id="rId5"/>
-              </a:rPr>
-              <a:t>Appsee</a:t>
             </a:r>
             <a:endParaRPr lang="zh-CN" altLang="en-US" dirty="0"/>
           </a:p>
@@ -24891,21 +24888,6 @@
 </file>
 
 <file path=customXml/item1.xml><?xml version="1.0" encoding="utf-8"?>
-<?mso-contentType ?>
-<FormTemplates xmlns="http://schemas.microsoft.com/sharepoint/v3/contenttype/forms">
-  <Display>DocumentLibraryForm</Display>
-  <Edit>DocumentLibraryForm</Edit>
-  <New>DocumentLibraryForm</New>
-</FormTemplates>
-</file>
-
-<file path=customXml/item2.xml><?xml version="1.0" encoding="utf-8"?>
-<p:properties xmlns:p="http://schemas.microsoft.com/office/2006/metadata/properties" xmlns:xsi="http://www.w3.org/2001/XMLSchema-instance" xmlns:pc="http://schemas.microsoft.com/office/infopath/2007/PartnerControls">
-  <documentManagement/>
-</p:properties>
-</file>
-
-<file path=customXml/item3.xml><?xml version="1.0" encoding="utf-8"?>
 <ct:contentTypeSchema xmlns:ct="http://schemas.microsoft.com/office/2006/metadata/contentType" xmlns:ma="http://schemas.microsoft.com/office/2006/metadata/properties/metaAttributes" ct:_="" ma:_="" ma:contentTypeName="Document" ma:contentTypeID="0x01010032007F32B4F84B44ACC6DD97D428A504" ma:contentTypeVersion="3" ma:contentTypeDescription="Create a new document." ma:contentTypeScope="" ma:versionID="df1701c683e45b7de10b6f7e2a0548c7">
   <xsd:schema xmlns:xsd="http://www.w3.org/2001/XMLSchema" xmlns:xs="http://www.w3.org/2001/XMLSchema" xmlns:p="http://schemas.microsoft.com/office/2006/metadata/properties" xmlns:ns2="eef61076-61bb-4ba8-9539-3229e0848d9e" targetNamespace="http://schemas.microsoft.com/office/2006/metadata/properties" ma:root="true" ma:fieldsID="cbbdbb27ac8dac2b6f3c91648c2172b0" ns2:_="">
     <xsd:import namespace="eef61076-61bb-4ba8-9539-3229e0848d9e"/>
@@ -25059,31 +25041,22 @@
 </ct:contentTypeSchema>
 </file>
 
-<file path=customXml/itemProps1.xml><?xml version="1.0" encoding="utf-8"?>
-<ds:datastoreItem xmlns:ds="http://schemas.openxmlformats.org/officeDocument/2006/customXml" ds:itemID="{22CBCFDE-8814-4D85-8B11-BF18575B4D6C}">
-  <ds:schemaRefs>
-    <ds:schemaRef ds:uri="http://schemas.microsoft.com/sharepoint/v3/contenttype/forms"/>
-  </ds:schemaRefs>
-</ds:datastoreItem>
+<file path=customXml/item2.xml><?xml version="1.0" encoding="utf-8"?>
+<?mso-contentType ?>
+<FormTemplates xmlns="http://schemas.microsoft.com/sharepoint/v3/contenttype/forms">
+  <Display>DocumentLibraryForm</Display>
+  <Edit>DocumentLibraryForm</Edit>
+  <New>DocumentLibraryForm</New>
+</FormTemplates>
 </file>
 
-<file path=customXml/itemProps2.xml><?xml version="1.0" encoding="utf-8"?>
-<ds:datastoreItem xmlns:ds="http://schemas.openxmlformats.org/officeDocument/2006/customXml" ds:itemID="{7D0B5AD0-169F-4C2D-8F32-CC7E999DF833}">
-  <ds:schemaRefs>
-    <ds:schemaRef ds:uri="http://purl.org/dc/dcmitype/"/>
-    <ds:schemaRef ds:uri="http://schemas.microsoft.com/office/infopath/2007/PartnerControls"/>
-    <ds:schemaRef ds:uri="http://purl.org/dc/elements/1.1/"/>
-    <ds:schemaRef ds:uri="http://schemas.microsoft.com/office/2006/metadata/properties"/>
-    <ds:schemaRef ds:uri="http://purl.org/dc/terms/"/>
-    <ds:schemaRef ds:uri="http://schemas.openxmlformats.org/package/2006/metadata/core-properties"/>
-    <ds:schemaRef ds:uri="http://schemas.microsoft.com/office/2006/documentManagement/types"/>
-    <ds:schemaRef ds:uri="eef61076-61bb-4ba8-9539-3229e0848d9e"/>
-    <ds:schemaRef ds:uri="http://www.w3.org/XML/1998/namespace"/>
-  </ds:schemaRefs>
-</ds:datastoreItem>
+<file path=customXml/item3.xml><?xml version="1.0" encoding="utf-8"?>
+<p:properties xmlns:p="http://schemas.microsoft.com/office/2006/metadata/properties" xmlns:xsi="http://www.w3.org/2001/XMLSchema-instance" xmlns:pc="http://schemas.microsoft.com/office/infopath/2007/PartnerControls">
+  <documentManagement/>
+</p:properties>
 </file>
 
-<file path=customXml/itemProps3.xml><?xml version="1.0" encoding="utf-8"?>
+<file path=customXml/itemProps1.xml><?xml version="1.0" encoding="utf-8"?>
 <ds:datastoreItem xmlns:ds="http://schemas.openxmlformats.org/officeDocument/2006/customXml" ds:itemID="{5A8CBD8A-A3E3-4476-B9EC-9ABD2DED8444}">
   <ds:schemaRefs>
     <ds:schemaRef ds:uri="http://schemas.microsoft.com/office/2006/metadata/contentType"/>
@@ -25099,4 +25072,28 @@
     <ds:schemaRef ds:uri="http://schemas.microsoft.com/internal/obd"/>
   </ds:schemaRefs>
 </ds:datastoreItem>
+</file>
+
+<file path=customXml/itemProps2.xml><?xml version="1.0" encoding="utf-8"?>
+<ds:datastoreItem xmlns:ds="http://schemas.openxmlformats.org/officeDocument/2006/customXml" ds:itemID="{22CBCFDE-8814-4D85-8B11-BF18575B4D6C}">
+  <ds:schemaRefs>
+    <ds:schemaRef ds:uri="http://schemas.microsoft.com/sharepoint/v3/contenttype/forms"/>
+  </ds:schemaRefs>
+</ds:datastoreItem>
+</file>
+
+<file path=customXml/itemProps3.xml><?xml version="1.0" encoding="utf-8"?>
+<ds:datastoreItem xmlns:ds="http://schemas.openxmlformats.org/officeDocument/2006/customXml" ds:itemID="{7D0B5AD0-169F-4C2D-8F32-CC7E999DF833}">
+  <ds:schemaRefs>
+    <ds:schemaRef ds:uri="http://purl.org/dc/dcmitype/"/>
+    <ds:schemaRef ds:uri="http://schemas.microsoft.com/office/infopath/2007/PartnerControls"/>
+    <ds:schemaRef ds:uri="http://purl.org/dc/elements/1.1/"/>
+    <ds:schemaRef ds:uri="http://schemas.microsoft.com/office/2006/metadata/properties"/>
+    <ds:schemaRef ds:uri="http://purl.org/dc/terms/"/>
+    <ds:schemaRef ds:uri="http://schemas.openxmlformats.org/package/2006/metadata/core-properties"/>
+    <ds:schemaRef ds:uri="http://schemas.microsoft.com/office/2006/documentManagement/types"/>
+    <ds:schemaRef ds:uri="eef61076-61bb-4ba8-9539-3229e0848d9e"/>
+    <ds:schemaRef ds:uri="http://www.w3.org/XML/1998/namespace"/>
+  </ds:schemaRefs>
+</ds:datastoreItem>
 </file>